--- a/Datenflussgraph.pptx
+++ b/Datenflussgraph.pptx
@@ -243,7 +243,7 @@
           <a:p>
             <a:fld id="{AF4AC487-DE55-40C5-9A41-4653E1208946}" type="datetimeFigureOut">
               <a:rPr lang="de-DE" smtClean="0"/>
-              <a:t>26.02.2025</a:t>
+              <a:t>04.03.2025</a:t>
             </a:fld>
             <a:endParaRPr lang="de-DE"/>
           </a:p>
@@ -413,7 +413,7 @@
           <a:p>
             <a:fld id="{AF4AC487-DE55-40C5-9A41-4653E1208946}" type="datetimeFigureOut">
               <a:rPr lang="de-DE" smtClean="0"/>
-              <a:t>26.02.2025</a:t>
+              <a:t>04.03.2025</a:t>
             </a:fld>
             <a:endParaRPr lang="de-DE"/>
           </a:p>
@@ -593,7 +593,7 @@
           <a:p>
             <a:fld id="{AF4AC487-DE55-40C5-9A41-4653E1208946}" type="datetimeFigureOut">
               <a:rPr lang="de-DE" smtClean="0"/>
-              <a:t>26.02.2025</a:t>
+              <a:t>04.03.2025</a:t>
             </a:fld>
             <a:endParaRPr lang="de-DE"/>
           </a:p>
@@ -763,7 +763,7 @@
           <a:p>
             <a:fld id="{AF4AC487-DE55-40C5-9A41-4653E1208946}" type="datetimeFigureOut">
               <a:rPr lang="de-DE" smtClean="0"/>
-              <a:t>26.02.2025</a:t>
+              <a:t>04.03.2025</a:t>
             </a:fld>
             <a:endParaRPr lang="de-DE"/>
           </a:p>
@@ -1009,7 +1009,7 @@
           <a:p>
             <a:fld id="{AF4AC487-DE55-40C5-9A41-4653E1208946}" type="datetimeFigureOut">
               <a:rPr lang="de-DE" smtClean="0"/>
-              <a:t>26.02.2025</a:t>
+              <a:t>04.03.2025</a:t>
             </a:fld>
             <a:endParaRPr lang="de-DE"/>
           </a:p>
@@ -1241,7 +1241,7 @@
           <a:p>
             <a:fld id="{AF4AC487-DE55-40C5-9A41-4653E1208946}" type="datetimeFigureOut">
               <a:rPr lang="de-DE" smtClean="0"/>
-              <a:t>26.02.2025</a:t>
+              <a:t>04.03.2025</a:t>
             </a:fld>
             <a:endParaRPr lang="de-DE"/>
           </a:p>
@@ -1608,7 +1608,7 @@
           <a:p>
             <a:fld id="{AF4AC487-DE55-40C5-9A41-4653E1208946}" type="datetimeFigureOut">
               <a:rPr lang="de-DE" smtClean="0"/>
-              <a:t>26.02.2025</a:t>
+              <a:t>04.03.2025</a:t>
             </a:fld>
             <a:endParaRPr lang="de-DE"/>
           </a:p>
@@ -1726,7 +1726,7 @@
           <a:p>
             <a:fld id="{AF4AC487-DE55-40C5-9A41-4653E1208946}" type="datetimeFigureOut">
               <a:rPr lang="de-DE" smtClean="0"/>
-              <a:t>26.02.2025</a:t>
+              <a:t>04.03.2025</a:t>
             </a:fld>
             <a:endParaRPr lang="de-DE"/>
           </a:p>
@@ -1821,7 +1821,7 @@
           <a:p>
             <a:fld id="{AF4AC487-DE55-40C5-9A41-4653E1208946}" type="datetimeFigureOut">
               <a:rPr lang="de-DE" smtClean="0"/>
-              <a:t>26.02.2025</a:t>
+              <a:t>04.03.2025</a:t>
             </a:fld>
             <a:endParaRPr lang="de-DE"/>
           </a:p>
@@ -2098,7 +2098,7 @@
           <a:p>
             <a:fld id="{AF4AC487-DE55-40C5-9A41-4653E1208946}" type="datetimeFigureOut">
               <a:rPr lang="de-DE" smtClean="0"/>
-              <a:t>26.02.2025</a:t>
+              <a:t>04.03.2025</a:t>
             </a:fld>
             <a:endParaRPr lang="de-DE"/>
           </a:p>
@@ -2355,7 +2355,7 @@
           <a:p>
             <a:fld id="{AF4AC487-DE55-40C5-9A41-4653E1208946}" type="datetimeFigureOut">
               <a:rPr lang="de-DE" smtClean="0"/>
-              <a:t>26.02.2025</a:t>
+              <a:t>04.03.2025</a:t>
             </a:fld>
             <a:endParaRPr lang="de-DE"/>
           </a:p>
@@ -2568,7 +2568,7 @@
           <a:p>
             <a:fld id="{AF4AC487-DE55-40C5-9A41-4653E1208946}" type="datetimeFigureOut">
               <a:rPr lang="de-DE" smtClean="0"/>
-              <a:t>26.02.2025</a:t>
+              <a:t>04.03.2025</a:t>
             </a:fld>
             <a:endParaRPr lang="de-DE"/>
           </a:p>
@@ -5821,6 +5821,396 @@
           <a:p>
             <a:pPr algn="ctr"/>
             <a:endParaRPr lang="de-DE"/>
+          </a:p>
+        </p:txBody>
+      </p:sp>
+      <p:sp>
+        <p:nvSpPr>
+          <p:cNvPr id="2" name="Textfeld 1">
+            <a:extLst>
+              <a:ext uri="{FF2B5EF4-FFF2-40B4-BE49-F238E27FC236}">
+                <a16:creationId xmlns:a16="http://schemas.microsoft.com/office/drawing/2014/main" id="{2D9047BC-DD66-3BD3-C6D8-641FC7787DE4}"/>
+              </a:ext>
+            </a:extLst>
+          </p:cNvPr>
+          <p:cNvSpPr txBox="1"/>
+          <p:nvPr/>
+        </p:nvSpPr>
+        <p:spPr>
+          <a:xfrm>
+            <a:off x="5734949" y="593165"/>
+            <a:ext cx="1516269" cy="276999"/>
+          </a:xfrm>
+          <a:prstGeom prst="rect">
+            <a:avLst/>
+          </a:prstGeom>
+          <a:noFill/>
+        </p:spPr>
+        <p:txBody>
+          <a:bodyPr wrap="square" rtlCol="0">
+            <a:spAutoFit/>
+          </a:bodyPr>
+          <a:lstStyle/>
+          <a:p>
+            <a:r>
+              <a:rPr lang="de-DE" sz="1200" dirty="0"/>
+              <a:t>Zahl1_to_alu_a</a:t>
+            </a:r>
+          </a:p>
+        </p:txBody>
+      </p:sp>
+      <p:sp>
+        <p:nvSpPr>
+          <p:cNvPr id="3" name="Textfeld 2">
+            <a:extLst>
+              <a:ext uri="{FF2B5EF4-FFF2-40B4-BE49-F238E27FC236}">
+                <a16:creationId xmlns:a16="http://schemas.microsoft.com/office/drawing/2014/main" id="{23EE528B-8F72-E92F-2306-B8FD5A20B1BB}"/>
+              </a:ext>
+            </a:extLst>
+          </p:cNvPr>
+          <p:cNvSpPr txBox="1"/>
+          <p:nvPr/>
+        </p:nvSpPr>
+        <p:spPr>
+          <a:xfrm>
+            <a:off x="5734949" y="2352918"/>
+            <a:ext cx="1516269" cy="276999"/>
+          </a:xfrm>
+          <a:prstGeom prst="rect">
+            <a:avLst/>
+          </a:prstGeom>
+          <a:noFill/>
+        </p:spPr>
+        <p:txBody>
+          <a:bodyPr wrap="square" rtlCol="0">
+            <a:spAutoFit/>
+          </a:bodyPr>
+          <a:lstStyle/>
+          <a:p>
+            <a:r>
+              <a:rPr lang="de-DE" sz="1200" dirty="0"/>
+              <a:t>Zahl1_to_alu_a</a:t>
+            </a:r>
+          </a:p>
+        </p:txBody>
+      </p:sp>
+      <p:sp>
+        <p:nvSpPr>
+          <p:cNvPr id="12" name="Textfeld 11">
+            <a:extLst>
+              <a:ext uri="{FF2B5EF4-FFF2-40B4-BE49-F238E27FC236}">
+                <a16:creationId xmlns:a16="http://schemas.microsoft.com/office/drawing/2014/main" id="{2AA94794-B13F-5AF8-8684-569A8810D3D5}"/>
+              </a:ext>
+            </a:extLst>
+          </p:cNvPr>
+          <p:cNvSpPr txBox="1"/>
+          <p:nvPr/>
+        </p:nvSpPr>
+        <p:spPr>
+          <a:xfrm>
+            <a:off x="5734948" y="5236600"/>
+            <a:ext cx="1516269" cy="276999"/>
+          </a:xfrm>
+          <a:prstGeom prst="rect">
+            <a:avLst/>
+          </a:prstGeom>
+          <a:noFill/>
+        </p:spPr>
+        <p:txBody>
+          <a:bodyPr wrap="square" rtlCol="0">
+            <a:spAutoFit/>
+          </a:bodyPr>
+          <a:lstStyle/>
+          <a:p>
+            <a:r>
+              <a:rPr lang="de-DE" sz="1200" dirty="0"/>
+              <a:t>Zahl1_to_alu_a</a:t>
+            </a:r>
+          </a:p>
+        </p:txBody>
+      </p:sp>
+      <p:sp>
+        <p:nvSpPr>
+          <p:cNvPr id="14" name="Textfeld 13">
+            <a:extLst>
+              <a:ext uri="{FF2B5EF4-FFF2-40B4-BE49-F238E27FC236}">
+                <a16:creationId xmlns:a16="http://schemas.microsoft.com/office/drawing/2014/main" id="{0B53E165-BA94-07B4-A60B-985313A396D4}"/>
+              </a:ext>
+            </a:extLst>
+          </p:cNvPr>
+          <p:cNvSpPr txBox="1"/>
+          <p:nvPr/>
+        </p:nvSpPr>
+        <p:spPr>
+          <a:xfrm>
+            <a:off x="5734948" y="966893"/>
+            <a:ext cx="1516269" cy="276999"/>
+          </a:xfrm>
+          <a:prstGeom prst="rect">
+            <a:avLst/>
+          </a:prstGeom>
+          <a:noFill/>
+        </p:spPr>
+        <p:txBody>
+          <a:bodyPr wrap="square" rtlCol="0">
+            <a:spAutoFit/>
+          </a:bodyPr>
+          <a:lstStyle/>
+          <a:p>
+            <a:r>
+              <a:rPr lang="de-DE" sz="1200" dirty="0"/>
+              <a:t>Zahl2_to_alu_b</a:t>
+            </a:r>
+          </a:p>
+        </p:txBody>
+      </p:sp>
+      <p:sp>
+        <p:nvSpPr>
+          <p:cNvPr id="21" name="Textfeld 20">
+            <a:extLst>
+              <a:ext uri="{FF2B5EF4-FFF2-40B4-BE49-F238E27FC236}">
+                <a16:creationId xmlns:a16="http://schemas.microsoft.com/office/drawing/2014/main" id="{A0170DF2-C3CE-ECD7-4290-34B4EEA5B160}"/>
+              </a:ext>
+            </a:extLst>
+          </p:cNvPr>
+          <p:cNvSpPr txBox="1"/>
+          <p:nvPr/>
+        </p:nvSpPr>
+        <p:spPr>
+          <a:xfrm>
+            <a:off x="5734948" y="2769673"/>
+            <a:ext cx="1516269" cy="276999"/>
+          </a:xfrm>
+          <a:prstGeom prst="rect">
+            <a:avLst/>
+          </a:prstGeom>
+          <a:noFill/>
+        </p:spPr>
+        <p:txBody>
+          <a:bodyPr wrap="square" rtlCol="0">
+            <a:spAutoFit/>
+          </a:bodyPr>
+          <a:lstStyle/>
+          <a:p>
+            <a:r>
+              <a:rPr lang="de-DE" sz="1200" dirty="0"/>
+              <a:t>Zahl2_to_alu_b</a:t>
+            </a:r>
+          </a:p>
+        </p:txBody>
+      </p:sp>
+      <p:sp>
+        <p:nvSpPr>
+          <p:cNvPr id="22" name="Textfeld 21">
+            <a:extLst>
+              <a:ext uri="{FF2B5EF4-FFF2-40B4-BE49-F238E27FC236}">
+                <a16:creationId xmlns:a16="http://schemas.microsoft.com/office/drawing/2014/main" id="{A7BC4504-DF41-7092-4D14-2FE4058FCC5A}"/>
+              </a:ext>
+            </a:extLst>
+          </p:cNvPr>
+          <p:cNvSpPr txBox="1"/>
+          <p:nvPr/>
+        </p:nvSpPr>
+        <p:spPr>
+          <a:xfrm>
+            <a:off x="5734947" y="5606990"/>
+            <a:ext cx="1516269" cy="276999"/>
+          </a:xfrm>
+          <a:prstGeom prst="rect">
+            <a:avLst/>
+          </a:prstGeom>
+          <a:noFill/>
+        </p:spPr>
+        <p:txBody>
+          <a:bodyPr wrap="square" rtlCol="0">
+            <a:spAutoFit/>
+          </a:bodyPr>
+          <a:lstStyle/>
+          <a:p>
+            <a:r>
+              <a:rPr lang="de-DE" sz="1200" dirty="0"/>
+              <a:t>Zahl2_to_alu_b</a:t>
+            </a:r>
+          </a:p>
+        </p:txBody>
+      </p:sp>
+      <p:sp>
+        <p:nvSpPr>
+          <p:cNvPr id="25" name="Textfeld 24">
+            <a:extLst>
+              <a:ext uri="{FF2B5EF4-FFF2-40B4-BE49-F238E27FC236}">
+                <a16:creationId xmlns:a16="http://schemas.microsoft.com/office/drawing/2014/main" id="{CDF051D4-97E4-0C78-772A-8F329FCA45D2}"/>
+              </a:ext>
+            </a:extLst>
+          </p:cNvPr>
+          <p:cNvSpPr txBox="1"/>
+          <p:nvPr/>
+        </p:nvSpPr>
+        <p:spPr>
+          <a:xfrm>
+            <a:off x="4135002" y="8619395"/>
+            <a:ext cx="1516269" cy="276999"/>
+          </a:xfrm>
+          <a:prstGeom prst="rect">
+            <a:avLst/>
+          </a:prstGeom>
+          <a:noFill/>
+        </p:spPr>
+        <p:txBody>
+          <a:bodyPr wrap="square" rtlCol="0">
+            <a:spAutoFit/>
+          </a:bodyPr>
+          <a:lstStyle/>
+          <a:p>
+            <a:r>
+              <a:rPr lang="de-DE" sz="1200" dirty="0" err="1"/>
+              <a:t>wren_new_numbers</a:t>
+            </a:r>
+            <a:endParaRPr lang="de-DE" sz="1200" dirty="0"/>
+          </a:p>
+        </p:txBody>
+      </p:sp>
+      <p:sp>
+        <p:nvSpPr>
+          <p:cNvPr id="26" name="Textfeld 25">
+            <a:extLst>
+              <a:ext uri="{FF2B5EF4-FFF2-40B4-BE49-F238E27FC236}">
+                <a16:creationId xmlns:a16="http://schemas.microsoft.com/office/drawing/2014/main" id="{AD22ED96-0F31-A9B7-9E08-5F1DDAC79C64}"/>
+              </a:ext>
+            </a:extLst>
+          </p:cNvPr>
+          <p:cNvSpPr txBox="1"/>
+          <p:nvPr/>
+        </p:nvSpPr>
+        <p:spPr>
+          <a:xfrm>
+            <a:off x="5594158" y="6365802"/>
+            <a:ext cx="1516269" cy="276999"/>
+          </a:xfrm>
+          <a:prstGeom prst="rect">
+            <a:avLst/>
+          </a:prstGeom>
+          <a:noFill/>
+        </p:spPr>
+        <p:txBody>
+          <a:bodyPr wrap="square" rtlCol="0">
+            <a:spAutoFit/>
+          </a:bodyPr>
+          <a:lstStyle/>
+          <a:p>
+            <a:r>
+              <a:rPr lang="de-DE" sz="1200" dirty="0" err="1"/>
+              <a:t>wren_erg_modulo</a:t>
+            </a:r>
+            <a:endParaRPr lang="de-DE" sz="1200" dirty="0"/>
+          </a:p>
+        </p:txBody>
+      </p:sp>
+      <p:sp>
+        <p:nvSpPr>
+          <p:cNvPr id="28" name="Textfeld 27">
+            <a:extLst>
+              <a:ext uri="{FF2B5EF4-FFF2-40B4-BE49-F238E27FC236}">
+                <a16:creationId xmlns:a16="http://schemas.microsoft.com/office/drawing/2014/main" id="{2CADE0CA-0AB2-5667-1BDD-F2CD538590B2}"/>
+              </a:ext>
+            </a:extLst>
+          </p:cNvPr>
+          <p:cNvSpPr txBox="1"/>
+          <p:nvPr/>
+        </p:nvSpPr>
+        <p:spPr>
+          <a:xfrm>
+            <a:off x="9006108" y="4341890"/>
+            <a:ext cx="1516269" cy="276999"/>
+          </a:xfrm>
+          <a:prstGeom prst="rect">
+            <a:avLst/>
+          </a:prstGeom>
+          <a:noFill/>
+        </p:spPr>
+        <p:txBody>
+          <a:bodyPr wrap="square" rtlCol="0">
+            <a:spAutoFit/>
+          </a:bodyPr>
+          <a:lstStyle/>
+          <a:p>
+            <a:r>
+              <a:rPr lang="de-DE" sz="1200" dirty="0" err="1"/>
+              <a:t>wren_zw_in_Zahlen</a:t>
+            </a:r>
+            <a:endParaRPr lang="de-DE" sz="1200" dirty="0"/>
+          </a:p>
+        </p:txBody>
+      </p:sp>
+      <p:sp>
+        <p:nvSpPr>
+          <p:cNvPr id="29" name="Textfeld 28">
+            <a:extLst>
+              <a:ext uri="{FF2B5EF4-FFF2-40B4-BE49-F238E27FC236}">
+                <a16:creationId xmlns:a16="http://schemas.microsoft.com/office/drawing/2014/main" id="{03F51187-88EA-B002-A28A-2747AEB0C853}"/>
+              </a:ext>
+            </a:extLst>
+          </p:cNvPr>
+          <p:cNvSpPr txBox="1"/>
+          <p:nvPr/>
+        </p:nvSpPr>
+        <p:spPr>
+          <a:xfrm>
+            <a:off x="7914030" y="1490252"/>
+            <a:ext cx="1516269" cy="276999"/>
+          </a:xfrm>
+          <a:prstGeom prst="rect">
+            <a:avLst/>
+          </a:prstGeom>
+          <a:noFill/>
+        </p:spPr>
+        <p:txBody>
+          <a:bodyPr wrap="square" rtlCol="0">
+            <a:spAutoFit/>
+          </a:bodyPr>
+          <a:lstStyle/>
+          <a:p>
+            <a:r>
+              <a:rPr lang="de-DE" sz="1200" dirty="0" err="1"/>
+              <a:t>wren_zw_groß</a:t>
+            </a:r>
+            <a:endParaRPr lang="de-DE" sz="1200" dirty="0"/>
+          </a:p>
+        </p:txBody>
+      </p:sp>
+      <p:sp>
+        <p:nvSpPr>
+          <p:cNvPr id="32" name="Textfeld 31">
+            <a:extLst>
+              <a:ext uri="{FF2B5EF4-FFF2-40B4-BE49-F238E27FC236}">
+                <a16:creationId xmlns:a16="http://schemas.microsoft.com/office/drawing/2014/main" id="{08285A18-5A51-56BA-D113-0C1553F76CA0}"/>
+              </a:ext>
+            </a:extLst>
+          </p:cNvPr>
+          <p:cNvSpPr txBox="1"/>
+          <p:nvPr/>
+        </p:nvSpPr>
+        <p:spPr>
+          <a:xfrm>
+            <a:off x="7914030" y="3293596"/>
+            <a:ext cx="1516269" cy="276999"/>
+          </a:xfrm>
+          <a:prstGeom prst="rect">
+            <a:avLst/>
+          </a:prstGeom>
+          <a:noFill/>
+        </p:spPr>
+        <p:txBody>
+          <a:bodyPr wrap="square" rtlCol="0">
+            <a:spAutoFit/>
+          </a:bodyPr>
+          <a:lstStyle/>
+          <a:p>
+            <a:r>
+              <a:rPr lang="de-DE" sz="1200" dirty="0" err="1"/>
+              <a:t>wren_zw_klein</a:t>
+            </a:r>
+            <a:endParaRPr lang="de-DE" sz="1200" dirty="0"/>
           </a:p>
         </p:txBody>
       </p:sp>

--- a/Datenflussgraph.pptx
+++ b/Datenflussgraph.pptx
@@ -243,7 +243,7 @@
           <a:p>
             <a:fld id="{AF4AC487-DE55-40C5-9A41-4653E1208946}" type="datetimeFigureOut">
               <a:rPr lang="de-DE" smtClean="0"/>
-              <a:t>04.03.2025</a:t>
+              <a:t>05.03.2025</a:t>
             </a:fld>
             <a:endParaRPr lang="de-DE"/>
           </a:p>
@@ -413,7 +413,7 @@
           <a:p>
             <a:fld id="{AF4AC487-DE55-40C5-9A41-4653E1208946}" type="datetimeFigureOut">
               <a:rPr lang="de-DE" smtClean="0"/>
-              <a:t>04.03.2025</a:t>
+              <a:t>05.03.2025</a:t>
             </a:fld>
             <a:endParaRPr lang="de-DE"/>
           </a:p>
@@ -593,7 +593,7 @@
           <a:p>
             <a:fld id="{AF4AC487-DE55-40C5-9A41-4653E1208946}" type="datetimeFigureOut">
               <a:rPr lang="de-DE" smtClean="0"/>
-              <a:t>04.03.2025</a:t>
+              <a:t>05.03.2025</a:t>
             </a:fld>
             <a:endParaRPr lang="de-DE"/>
           </a:p>
@@ -763,7 +763,7 @@
           <a:p>
             <a:fld id="{AF4AC487-DE55-40C5-9A41-4653E1208946}" type="datetimeFigureOut">
               <a:rPr lang="de-DE" smtClean="0"/>
-              <a:t>04.03.2025</a:t>
+              <a:t>05.03.2025</a:t>
             </a:fld>
             <a:endParaRPr lang="de-DE"/>
           </a:p>
@@ -1009,7 +1009,7 @@
           <a:p>
             <a:fld id="{AF4AC487-DE55-40C5-9A41-4653E1208946}" type="datetimeFigureOut">
               <a:rPr lang="de-DE" smtClean="0"/>
-              <a:t>04.03.2025</a:t>
+              <a:t>05.03.2025</a:t>
             </a:fld>
             <a:endParaRPr lang="de-DE"/>
           </a:p>
@@ -1241,7 +1241,7 @@
           <a:p>
             <a:fld id="{AF4AC487-DE55-40C5-9A41-4653E1208946}" type="datetimeFigureOut">
               <a:rPr lang="de-DE" smtClean="0"/>
-              <a:t>04.03.2025</a:t>
+              <a:t>05.03.2025</a:t>
             </a:fld>
             <a:endParaRPr lang="de-DE"/>
           </a:p>
@@ -1608,7 +1608,7 @@
           <a:p>
             <a:fld id="{AF4AC487-DE55-40C5-9A41-4653E1208946}" type="datetimeFigureOut">
               <a:rPr lang="de-DE" smtClean="0"/>
-              <a:t>04.03.2025</a:t>
+              <a:t>05.03.2025</a:t>
             </a:fld>
             <a:endParaRPr lang="de-DE"/>
           </a:p>
@@ -1726,7 +1726,7 @@
           <a:p>
             <a:fld id="{AF4AC487-DE55-40C5-9A41-4653E1208946}" type="datetimeFigureOut">
               <a:rPr lang="de-DE" smtClean="0"/>
-              <a:t>04.03.2025</a:t>
+              <a:t>05.03.2025</a:t>
             </a:fld>
             <a:endParaRPr lang="de-DE"/>
           </a:p>
@@ -1821,7 +1821,7 @@
           <a:p>
             <a:fld id="{AF4AC487-DE55-40C5-9A41-4653E1208946}" type="datetimeFigureOut">
               <a:rPr lang="de-DE" smtClean="0"/>
-              <a:t>04.03.2025</a:t>
+              <a:t>05.03.2025</a:t>
             </a:fld>
             <a:endParaRPr lang="de-DE"/>
           </a:p>
@@ -2098,7 +2098,7 @@
           <a:p>
             <a:fld id="{AF4AC487-DE55-40C5-9A41-4653E1208946}" type="datetimeFigureOut">
               <a:rPr lang="de-DE" smtClean="0"/>
-              <a:t>04.03.2025</a:t>
+              <a:t>05.03.2025</a:t>
             </a:fld>
             <a:endParaRPr lang="de-DE"/>
           </a:p>
@@ -2355,7 +2355,7 @@
           <a:p>
             <a:fld id="{AF4AC487-DE55-40C5-9A41-4653E1208946}" type="datetimeFigureOut">
               <a:rPr lang="de-DE" smtClean="0"/>
-              <a:t>04.03.2025</a:t>
+              <a:t>05.03.2025</a:t>
             </a:fld>
             <a:endParaRPr lang="de-DE"/>
           </a:p>
@@ -2568,7 +2568,7 @@
           <a:p>
             <a:fld id="{AF4AC487-DE55-40C5-9A41-4653E1208946}" type="datetimeFigureOut">
               <a:rPr lang="de-DE" smtClean="0"/>
-              <a:t>04.03.2025</a:t>
+              <a:t>05.03.2025</a:t>
             </a:fld>
             <a:endParaRPr lang="de-DE"/>
           </a:p>
@@ -3307,6 +3307,9 @@
           <a:prstGeom prst="line">
             <a:avLst/>
           </a:prstGeom>
+          <a:ln>
+            <a:prstDash val="sysDash"/>
+          </a:ln>
         </p:spPr>
         <p:style>
           <a:lnRef idx="2">
@@ -3345,6 +3348,9 @@
           <a:prstGeom prst="line">
             <a:avLst/>
           </a:prstGeom>
+          <a:ln>
+            <a:prstDash val="sysDash"/>
+          </a:ln>
         </p:spPr>
         <p:style>
           <a:lnRef idx="2">
@@ -3383,6 +3389,9 @@
           <a:prstGeom prst="line">
             <a:avLst/>
           </a:prstGeom>
+          <a:ln>
+            <a:prstDash val="sysDash"/>
+          </a:ln>
         </p:spPr>
         <p:style>
           <a:lnRef idx="2">
@@ -3421,6 +3430,9 @@
           <a:prstGeom prst="line">
             <a:avLst/>
           </a:prstGeom>
+          <a:ln>
+            <a:prstDash val="sysDash"/>
+          </a:ln>
         </p:spPr>
         <p:style>
           <a:lnRef idx="2">
@@ -3459,6 +3471,9 @@
           <a:prstGeom prst="line">
             <a:avLst/>
           </a:prstGeom>
+          <a:ln>
+            <a:prstDash val="sysDash"/>
+          </a:ln>
         </p:spPr>
         <p:style>
           <a:lnRef idx="2">
@@ -3497,6 +3512,9 @@
           <a:prstGeom prst="line">
             <a:avLst/>
           </a:prstGeom>
+          <a:ln>
+            <a:prstDash val="sysDash"/>
+          </a:ln>
         </p:spPr>
         <p:style>
           <a:lnRef idx="2">
@@ -4397,7 +4415,7 @@
         </p:nvSpPr>
         <p:spPr>
           <a:xfrm>
-            <a:off x="97477" y="4204405"/>
+            <a:off x="67262" y="3346882"/>
             <a:ext cx="1468857" cy="465667"/>
           </a:xfrm>
           <a:prstGeom prst="rect">
@@ -4548,7 +4566,7 @@
         </p:nvCxnSpPr>
         <p:spPr>
           <a:xfrm flipH="1">
-            <a:off x="2958519" y="4550742"/>
+            <a:off x="2958519" y="4466674"/>
             <a:ext cx="5383869" cy="0"/>
           </a:xfrm>
           <a:prstGeom prst="straightConnector1">
@@ -4587,7 +4605,7 @@
         </p:nvSpPr>
         <p:spPr>
           <a:xfrm>
-            <a:off x="8283122" y="4490261"/>
+            <a:off x="8283122" y="4406193"/>
             <a:ext cx="118531" cy="120961"/>
           </a:xfrm>
           <a:prstGeom prst="ellipse">
@@ -4633,7 +4651,7 @@
         </p:nvSpPr>
         <p:spPr>
           <a:xfrm>
-            <a:off x="0" y="5026589"/>
+            <a:off x="0" y="4045526"/>
             <a:ext cx="10760392" cy="45719"/>
           </a:xfrm>
           <a:prstGeom prst="rect">
@@ -5319,7 +5337,7 @@
         </p:nvSpPr>
         <p:spPr>
           <a:xfrm>
-            <a:off x="94972" y="7848820"/>
+            <a:off x="97476" y="7691546"/>
             <a:ext cx="1468857" cy="465667"/>
           </a:xfrm>
           <a:prstGeom prst="rect">
@@ -5352,18 +5370,13 @@
           <a:p>
             <a:pPr algn="ctr"/>
             <a:r>
-              <a:rPr lang="de-DE" sz="1400" dirty="0" err="1">
+              <a:rPr lang="de-DE" sz="1400" dirty="0">
                 <a:solidFill>
                   <a:schemeClr val="tx1"/>
                 </a:solidFill>
               </a:rPr>
-              <a:t>Write_numbers</a:t>
-            </a:r>
-            <a:endParaRPr lang="de-DE" sz="1400" dirty="0">
-              <a:solidFill>
-                <a:schemeClr val="tx1"/>
-              </a:solidFill>
-            </a:endParaRPr>
+              <a:t>Write_Zahl2</a:t>
+            </a:r>
           </a:p>
         </p:txBody>
       </p:sp>
@@ -5470,7 +5483,7 @@
         </p:nvCxnSpPr>
         <p:spPr>
           <a:xfrm flipH="1">
-            <a:off x="2958518" y="8307909"/>
+            <a:off x="2958518" y="8754680"/>
             <a:ext cx="1214802" cy="0"/>
           </a:xfrm>
           <a:prstGeom prst="straightConnector1">
@@ -5509,7 +5522,7 @@
         </p:nvSpPr>
         <p:spPr>
           <a:xfrm>
-            <a:off x="4113070" y="8247428"/>
+            <a:off x="4113070" y="8694199"/>
             <a:ext cx="118531" cy="120961"/>
           </a:xfrm>
           <a:prstGeom prst="ellipse">
@@ -5557,7 +5570,7 @@
         </p:nvCxnSpPr>
         <p:spPr>
           <a:xfrm>
-            <a:off x="4196928" y="8586791"/>
+            <a:off x="4196928" y="9033562"/>
             <a:ext cx="1433405" cy="0"/>
           </a:xfrm>
           <a:prstGeom prst="straightConnector1">
@@ -5596,7 +5609,7 @@
         </p:nvSpPr>
         <p:spPr>
           <a:xfrm>
-            <a:off x="4135931" y="8526310"/>
+            <a:off x="4135931" y="8973081"/>
             <a:ext cx="118531" cy="120961"/>
           </a:xfrm>
           <a:prstGeom prst="ellipse">
@@ -5642,7 +5655,7 @@
         </p:nvSpPr>
         <p:spPr>
           <a:xfrm>
-            <a:off x="0" y="2190604"/>
+            <a:off x="11974" y="1265063"/>
             <a:ext cx="10760392" cy="45719"/>
           </a:xfrm>
           <a:prstGeom prst="rect">
@@ -5691,7 +5704,7 @@
         </p:nvSpPr>
         <p:spPr>
           <a:xfrm>
-            <a:off x="11974" y="3948512"/>
+            <a:off x="67262" y="3110414"/>
             <a:ext cx="10760392" cy="45719"/>
           </a:xfrm>
           <a:prstGeom prst="rect">
@@ -5740,7 +5753,7 @@
         </p:nvSpPr>
         <p:spPr>
           <a:xfrm>
-            <a:off x="-14024" y="6745744"/>
+            <a:off x="11974" y="5926219"/>
             <a:ext cx="10760392" cy="45719"/>
           </a:xfrm>
           <a:prstGeom prst="rect">
@@ -5789,7 +5802,7 @@
         </p:nvSpPr>
         <p:spPr>
           <a:xfrm>
-            <a:off x="11974" y="7599540"/>
+            <a:off x="-6290" y="6800220"/>
             <a:ext cx="10760392" cy="45719"/>
           </a:xfrm>
           <a:prstGeom prst="rect">
@@ -6048,8 +6061,8 @@
         </p:nvSpPr>
         <p:spPr>
           <a:xfrm>
-            <a:off x="4135002" y="8619395"/>
-            <a:ext cx="1516269" cy="276999"/>
+            <a:off x="4118352" y="9073763"/>
+            <a:ext cx="1806033" cy="261610"/>
           </a:xfrm>
           <a:prstGeom prst="rect">
             <a:avLst/>
@@ -6063,10 +6076,10 @@
           <a:lstStyle/>
           <a:p>
             <a:r>
-              <a:rPr lang="de-DE" sz="1200" dirty="0" err="1"/>
-              <a:t>wren_new_numbers</a:t>
-            </a:r>
-            <a:endParaRPr lang="de-DE" sz="1200" dirty="0"/>
+              <a:rPr lang="de-DE" sz="1100" dirty="0" err="1"/>
+              <a:t>wren_to_new_numbers</a:t>
+            </a:r>
+            <a:endParaRPr lang="de-DE" sz="1100" dirty="0"/>
           </a:p>
         </p:txBody>
       </p:sp>
@@ -6214,6 +6227,772 @@
           </a:p>
         </p:txBody>
       </p:sp>
+      <p:sp>
+        <p:nvSpPr>
+          <p:cNvPr id="33" name="Rechteck 32">
+            <a:extLst>
+              <a:ext uri="{FF2B5EF4-FFF2-40B4-BE49-F238E27FC236}">
+                <a16:creationId xmlns:a16="http://schemas.microsoft.com/office/drawing/2014/main" id="{846086FE-556C-E147-A01B-6DCF75B552AD}"/>
+              </a:ext>
+            </a:extLst>
+          </p:cNvPr>
+          <p:cNvSpPr/>
+          <p:nvPr/>
+        </p:nvSpPr>
+        <p:spPr>
+          <a:xfrm>
+            <a:off x="-6290" y="7608547"/>
+            <a:ext cx="10760392" cy="45719"/>
+          </a:xfrm>
+          <a:prstGeom prst="rect">
+            <a:avLst/>
+          </a:prstGeom>
+          <a:ln>
+            <a:noFill/>
+          </a:ln>
+        </p:spPr>
+        <p:style>
+          <a:lnRef idx="2">
+            <a:schemeClr val="accent1">
+              <a:shade val="15000"/>
+            </a:schemeClr>
+          </a:lnRef>
+          <a:fillRef idx="1">
+            <a:schemeClr val="accent1"/>
+          </a:fillRef>
+          <a:effectRef idx="0">
+            <a:schemeClr val="accent1"/>
+          </a:effectRef>
+          <a:fontRef idx="minor">
+            <a:schemeClr val="lt1"/>
+          </a:fontRef>
+        </p:style>
+        <p:txBody>
+          <a:bodyPr rtlCol="0" anchor="ctr"/>
+          <a:lstStyle/>
+          <a:p>
+            <a:pPr algn="ctr"/>
+            <a:endParaRPr lang="de-DE"/>
+          </a:p>
+        </p:txBody>
+      </p:sp>
+      <p:sp>
+        <p:nvSpPr>
+          <p:cNvPr id="36" name="Rechteck 35">
+            <a:extLst>
+              <a:ext uri="{FF2B5EF4-FFF2-40B4-BE49-F238E27FC236}">
+                <a16:creationId xmlns:a16="http://schemas.microsoft.com/office/drawing/2014/main" id="{8B5094C8-3EFE-5615-36EA-F577554D804E}"/>
+              </a:ext>
+            </a:extLst>
+          </p:cNvPr>
+          <p:cNvSpPr/>
+          <p:nvPr/>
+        </p:nvSpPr>
+        <p:spPr>
+          <a:xfrm>
+            <a:off x="75684" y="6145086"/>
+            <a:ext cx="1468857" cy="465667"/>
+          </a:xfrm>
+          <a:prstGeom prst="rect">
+            <a:avLst/>
+          </a:prstGeom>
+          <a:noFill/>
+          <a:ln>
+            <a:noFill/>
+          </a:ln>
+        </p:spPr>
+        <p:style>
+          <a:lnRef idx="2">
+            <a:schemeClr val="accent1">
+              <a:shade val="15000"/>
+            </a:schemeClr>
+          </a:lnRef>
+          <a:fillRef idx="1">
+            <a:schemeClr val="accent1"/>
+          </a:fillRef>
+          <a:effectRef idx="0">
+            <a:schemeClr val="accent1"/>
+          </a:effectRef>
+          <a:fontRef idx="minor">
+            <a:schemeClr val="lt1"/>
+          </a:fontRef>
+        </p:style>
+        <p:txBody>
+          <a:bodyPr rtlCol="0" anchor="ctr"/>
+          <a:lstStyle/>
+          <a:p>
+            <a:pPr algn="ctr"/>
+            <a:r>
+              <a:rPr lang="de-DE" sz="1400" dirty="0" err="1">
+                <a:solidFill>
+                  <a:schemeClr val="tx1"/>
+                </a:solidFill>
+              </a:rPr>
+              <a:t>Write_erg</a:t>
+            </a:r>
+            <a:endParaRPr lang="de-DE" sz="1400" dirty="0">
+              <a:solidFill>
+                <a:schemeClr val="tx1"/>
+              </a:solidFill>
+            </a:endParaRPr>
+          </a:p>
+        </p:txBody>
+      </p:sp>
+      <p:sp>
+        <p:nvSpPr>
+          <p:cNvPr id="44" name="Textfeld 43">
+            <a:extLst>
+              <a:ext uri="{FF2B5EF4-FFF2-40B4-BE49-F238E27FC236}">
+                <a16:creationId xmlns:a16="http://schemas.microsoft.com/office/drawing/2014/main" id="{26D344C2-E3E8-A9E9-D49D-90B24FBB01D5}"/>
+              </a:ext>
+            </a:extLst>
+          </p:cNvPr>
+          <p:cNvSpPr txBox="1"/>
+          <p:nvPr/>
+        </p:nvSpPr>
+        <p:spPr>
+          <a:xfrm>
+            <a:off x="971550" y="906525"/>
+            <a:ext cx="335377" cy="369332"/>
+          </a:xfrm>
+          <a:prstGeom prst="rect">
+            <a:avLst/>
+          </a:prstGeom>
+          <a:noFill/>
+        </p:spPr>
+        <p:txBody>
+          <a:bodyPr wrap="square" rtlCol="0">
+            <a:spAutoFit/>
+          </a:bodyPr>
+          <a:lstStyle/>
+          <a:p>
+            <a:r>
+              <a:rPr lang="de-DE" dirty="0"/>
+              <a:t>0</a:t>
+            </a:r>
+          </a:p>
+        </p:txBody>
+      </p:sp>
+      <p:sp>
+        <p:nvSpPr>
+          <p:cNvPr id="45" name="Textfeld 44">
+            <a:extLst>
+              <a:ext uri="{FF2B5EF4-FFF2-40B4-BE49-F238E27FC236}">
+                <a16:creationId xmlns:a16="http://schemas.microsoft.com/office/drawing/2014/main" id="{AA85E662-9897-D292-5A68-70E4A8A86E89}"/>
+              </a:ext>
+            </a:extLst>
+          </p:cNvPr>
+          <p:cNvSpPr txBox="1"/>
+          <p:nvPr/>
+        </p:nvSpPr>
+        <p:spPr>
+          <a:xfrm>
+            <a:off x="1285678" y="2735587"/>
+            <a:ext cx="335377" cy="369332"/>
+          </a:xfrm>
+          <a:prstGeom prst="rect">
+            <a:avLst/>
+          </a:prstGeom>
+          <a:noFill/>
+        </p:spPr>
+        <p:txBody>
+          <a:bodyPr wrap="square" rtlCol="0">
+            <a:spAutoFit/>
+          </a:bodyPr>
+          <a:lstStyle/>
+          <a:p>
+            <a:r>
+              <a:rPr lang="de-DE" dirty="0"/>
+              <a:t>1</a:t>
+            </a:r>
+          </a:p>
+        </p:txBody>
+      </p:sp>
+      <p:sp>
+        <p:nvSpPr>
+          <p:cNvPr id="49" name="Textfeld 48">
+            <a:extLst>
+              <a:ext uri="{FF2B5EF4-FFF2-40B4-BE49-F238E27FC236}">
+                <a16:creationId xmlns:a16="http://schemas.microsoft.com/office/drawing/2014/main" id="{15389084-F60B-B0F6-8C0C-651C73C6DFF0}"/>
+              </a:ext>
+            </a:extLst>
+          </p:cNvPr>
+          <p:cNvSpPr txBox="1"/>
+          <p:nvPr/>
+        </p:nvSpPr>
+        <p:spPr>
+          <a:xfrm>
+            <a:off x="1238299" y="3676515"/>
+            <a:ext cx="335377" cy="369332"/>
+          </a:xfrm>
+          <a:prstGeom prst="rect">
+            <a:avLst/>
+          </a:prstGeom>
+          <a:noFill/>
+        </p:spPr>
+        <p:txBody>
+          <a:bodyPr wrap="square" rtlCol="0">
+            <a:spAutoFit/>
+          </a:bodyPr>
+          <a:lstStyle/>
+          <a:p>
+            <a:r>
+              <a:rPr lang="de-DE" dirty="0"/>
+              <a:t>2</a:t>
+            </a:r>
+          </a:p>
+        </p:txBody>
+      </p:sp>
+      <p:sp>
+        <p:nvSpPr>
+          <p:cNvPr id="50" name="Textfeld 49">
+            <a:extLst>
+              <a:ext uri="{FF2B5EF4-FFF2-40B4-BE49-F238E27FC236}">
+                <a16:creationId xmlns:a16="http://schemas.microsoft.com/office/drawing/2014/main" id="{C61E35CE-F0F7-6FEB-A190-CECB064AA993}"/>
+              </a:ext>
+            </a:extLst>
+          </p:cNvPr>
+          <p:cNvSpPr txBox="1"/>
+          <p:nvPr/>
+        </p:nvSpPr>
+        <p:spPr>
+          <a:xfrm>
+            <a:off x="1333134" y="4472837"/>
+            <a:ext cx="335377" cy="369332"/>
+          </a:xfrm>
+          <a:prstGeom prst="rect">
+            <a:avLst/>
+          </a:prstGeom>
+          <a:noFill/>
+        </p:spPr>
+        <p:txBody>
+          <a:bodyPr wrap="square" rtlCol="0">
+            <a:spAutoFit/>
+          </a:bodyPr>
+          <a:lstStyle/>
+          <a:p>
+            <a:r>
+              <a:rPr lang="de-DE" dirty="0"/>
+              <a:t>3</a:t>
+            </a:r>
+          </a:p>
+        </p:txBody>
+      </p:sp>
+      <p:sp>
+        <p:nvSpPr>
+          <p:cNvPr id="53" name="Textfeld 52">
+            <a:extLst>
+              <a:ext uri="{FF2B5EF4-FFF2-40B4-BE49-F238E27FC236}">
+                <a16:creationId xmlns:a16="http://schemas.microsoft.com/office/drawing/2014/main" id="{56B23DAA-EBCD-A9B3-2848-4F8217521A14}"/>
+              </a:ext>
+            </a:extLst>
+          </p:cNvPr>
+          <p:cNvSpPr txBox="1"/>
+          <p:nvPr/>
+        </p:nvSpPr>
+        <p:spPr>
+          <a:xfrm>
+            <a:off x="1236917" y="5498198"/>
+            <a:ext cx="335377" cy="369332"/>
+          </a:xfrm>
+          <a:prstGeom prst="rect">
+            <a:avLst/>
+          </a:prstGeom>
+          <a:noFill/>
+        </p:spPr>
+        <p:txBody>
+          <a:bodyPr wrap="square" rtlCol="0">
+            <a:spAutoFit/>
+          </a:bodyPr>
+          <a:lstStyle/>
+          <a:p>
+            <a:r>
+              <a:rPr lang="de-DE" dirty="0"/>
+              <a:t>4</a:t>
+            </a:r>
+          </a:p>
+        </p:txBody>
+      </p:sp>
+      <p:sp>
+        <p:nvSpPr>
+          <p:cNvPr id="56" name="Textfeld 55">
+            <a:extLst>
+              <a:ext uri="{FF2B5EF4-FFF2-40B4-BE49-F238E27FC236}">
+                <a16:creationId xmlns:a16="http://schemas.microsoft.com/office/drawing/2014/main" id="{A97B150D-35E9-39AC-E08F-A1806A216287}"/>
+              </a:ext>
+            </a:extLst>
+          </p:cNvPr>
+          <p:cNvSpPr txBox="1"/>
+          <p:nvPr/>
+        </p:nvSpPr>
+        <p:spPr>
+          <a:xfrm>
+            <a:off x="1274229" y="6388458"/>
+            <a:ext cx="335377" cy="369332"/>
+          </a:xfrm>
+          <a:prstGeom prst="rect">
+            <a:avLst/>
+          </a:prstGeom>
+          <a:noFill/>
+        </p:spPr>
+        <p:txBody>
+          <a:bodyPr wrap="square" rtlCol="0">
+            <a:spAutoFit/>
+          </a:bodyPr>
+          <a:lstStyle/>
+          <a:p>
+            <a:r>
+              <a:rPr lang="de-DE" dirty="0"/>
+              <a:t>5</a:t>
+            </a:r>
+          </a:p>
+        </p:txBody>
+      </p:sp>
+      <p:sp>
+        <p:nvSpPr>
+          <p:cNvPr id="58" name="Textfeld 57">
+            <a:extLst>
+              <a:ext uri="{FF2B5EF4-FFF2-40B4-BE49-F238E27FC236}">
+                <a16:creationId xmlns:a16="http://schemas.microsoft.com/office/drawing/2014/main" id="{C04751A9-BF1C-7255-A01D-73BA0CFA5DCE}"/>
+              </a:ext>
+            </a:extLst>
+          </p:cNvPr>
+          <p:cNvSpPr txBox="1"/>
+          <p:nvPr/>
+        </p:nvSpPr>
+        <p:spPr>
+          <a:xfrm>
+            <a:off x="1278877" y="7161289"/>
+            <a:ext cx="335377" cy="369332"/>
+          </a:xfrm>
+          <a:prstGeom prst="rect">
+            <a:avLst/>
+          </a:prstGeom>
+          <a:noFill/>
+        </p:spPr>
+        <p:txBody>
+          <a:bodyPr wrap="square" rtlCol="0">
+            <a:spAutoFit/>
+          </a:bodyPr>
+          <a:lstStyle/>
+          <a:p>
+            <a:r>
+              <a:rPr lang="de-DE" dirty="0"/>
+              <a:t>6</a:t>
+            </a:r>
+          </a:p>
+        </p:txBody>
+      </p:sp>
+      <p:sp>
+        <p:nvSpPr>
+          <p:cNvPr id="66" name="Rechteck 65">
+            <a:extLst>
+              <a:ext uri="{FF2B5EF4-FFF2-40B4-BE49-F238E27FC236}">
+                <a16:creationId xmlns:a16="http://schemas.microsoft.com/office/drawing/2014/main" id="{8EC82604-4318-02C3-988F-FD5117D06A23}"/>
+              </a:ext>
+            </a:extLst>
+          </p:cNvPr>
+          <p:cNvSpPr/>
+          <p:nvPr/>
+        </p:nvSpPr>
+        <p:spPr>
+          <a:xfrm>
+            <a:off x="-6290" y="5033206"/>
+            <a:ext cx="10760392" cy="45719"/>
+          </a:xfrm>
+          <a:prstGeom prst="rect">
+            <a:avLst/>
+          </a:prstGeom>
+          <a:ln>
+            <a:noFill/>
+          </a:ln>
+        </p:spPr>
+        <p:style>
+          <a:lnRef idx="2">
+            <a:schemeClr val="accent1">
+              <a:shade val="15000"/>
+            </a:schemeClr>
+          </a:lnRef>
+          <a:fillRef idx="1">
+            <a:schemeClr val="accent1"/>
+          </a:fillRef>
+          <a:effectRef idx="0">
+            <a:schemeClr val="accent1"/>
+          </a:effectRef>
+          <a:fontRef idx="minor">
+            <a:schemeClr val="lt1"/>
+          </a:fontRef>
+        </p:style>
+        <p:txBody>
+          <a:bodyPr rtlCol="0" anchor="ctr"/>
+          <a:lstStyle/>
+          <a:p>
+            <a:pPr algn="ctr"/>
+            <a:endParaRPr lang="de-DE"/>
+          </a:p>
+        </p:txBody>
+      </p:sp>
+      <p:sp>
+        <p:nvSpPr>
+          <p:cNvPr id="70" name="Rechteck 69">
+            <a:extLst>
+              <a:ext uri="{FF2B5EF4-FFF2-40B4-BE49-F238E27FC236}">
+                <a16:creationId xmlns:a16="http://schemas.microsoft.com/office/drawing/2014/main" id="{14E8E3F0-E000-01E8-987C-C4B302F21826}"/>
+              </a:ext>
+            </a:extLst>
+          </p:cNvPr>
+          <p:cNvSpPr/>
+          <p:nvPr/>
+        </p:nvSpPr>
+        <p:spPr>
+          <a:xfrm>
+            <a:off x="86838" y="4212637"/>
+            <a:ext cx="1468857" cy="465667"/>
+          </a:xfrm>
+          <a:prstGeom prst="rect">
+            <a:avLst/>
+          </a:prstGeom>
+          <a:noFill/>
+          <a:ln>
+            <a:noFill/>
+          </a:ln>
+        </p:spPr>
+        <p:style>
+          <a:lnRef idx="2">
+            <a:schemeClr val="accent1">
+              <a:shade val="15000"/>
+            </a:schemeClr>
+          </a:lnRef>
+          <a:fillRef idx="1">
+            <a:schemeClr val="accent1"/>
+          </a:fillRef>
+          <a:effectRef idx="0">
+            <a:schemeClr val="accent1"/>
+          </a:effectRef>
+          <a:fontRef idx="minor">
+            <a:schemeClr val="lt1"/>
+          </a:fontRef>
+        </p:style>
+        <p:txBody>
+          <a:bodyPr rtlCol="0" anchor="ctr"/>
+          <a:lstStyle/>
+          <a:p>
+            <a:pPr algn="ctr"/>
+            <a:r>
+              <a:rPr lang="de-DE" sz="1400" dirty="0" err="1">
+                <a:solidFill>
+                  <a:schemeClr val="tx1"/>
+                </a:solidFill>
+              </a:rPr>
+              <a:t>Write_zwischenspeicher</a:t>
+            </a:r>
+            <a:endParaRPr lang="de-DE" sz="1400" dirty="0">
+              <a:solidFill>
+                <a:schemeClr val="tx1"/>
+              </a:solidFill>
+            </a:endParaRPr>
+          </a:p>
+        </p:txBody>
+      </p:sp>
+      <p:sp>
+        <p:nvSpPr>
+          <p:cNvPr id="74" name="Textfeld 73">
+            <a:extLst>
+              <a:ext uri="{FF2B5EF4-FFF2-40B4-BE49-F238E27FC236}">
+                <a16:creationId xmlns:a16="http://schemas.microsoft.com/office/drawing/2014/main" id="{4E42E59A-2EFC-D959-743A-86E9D0017C71}"/>
+              </a:ext>
+            </a:extLst>
+          </p:cNvPr>
+          <p:cNvSpPr txBox="1"/>
+          <p:nvPr/>
+        </p:nvSpPr>
+        <p:spPr>
+          <a:xfrm>
+            <a:off x="1333888" y="7989068"/>
+            <a:ext cx="335377" cy="369332"/>
+          </a:xfrm>
+          <a:prstGeom prst="rect">
+            <a:avLst/>
+          </a:prstGeom>
+          <a:noFill/>
+        </p:spPr>
+        <p:txBody>
+          <a:bodyPr wrap="square" rtlCol="0">
+            <a:spAutoFit/>
+          </a:bodyPr>
+          <a:lstStyle/>
+          <a:p>
+            <a:r>
+              <a:rPr lang="de-DE" dirty="0"/>
+              <a:t>7</a:t>
+            </a:r>
+          </a:p>
+        </p:txBody>
+      </p:sp>
+      <p:sp>
+        <p:nvSpPr>
+          <p:cNvPr id="75" name="Rechteck 74">
+            <a:extLst>
+              <a:ext uri="{FF2B5EF4-FFF2-40B4-BE49-F238E27FC236}">
+                <a16:creationId xmlns:a16="http://schemas.microsoft.com/office/drawing/2014/main" id="{E4DDB8D4-6D68-63FA-00B4-83CCD55F6491}"/>
+              </a:ext>
+            </a:extLst>
+          </p:cNvPr>
+          <p:cNvSpPr/>
+          <p:nvPr/>
+        </p:nvSpPr>
+        <p:spPr>
+          <a:xfrm>
+            <a:off x="-6290" y="8357514"/>
+            <a:ext cx="10760392" cy="45719"/>
+          </a:xfrm>
+          <a:prstGeom prst="rect">
+            <a:avLst/>
+          </a:prstGeom>
+          <a:ln>
+            <a:noFill/>
+          </a:ln>
+        </p:spPr>
+        <p:style>
+          <a:lnRef idx="2">
+            <a:schemeClr val="accent1">
+              <a:shade val="15000"/>
+            </a:schemeClr>
+          </a:lnRef>
+          <a:fillRef idx="1">
+            <a:schemeClr val="accent1"/>
+          </a:fillRef>
+          <a:effectRef idx="0">
+            <a:schemeClr val="accent1"/>
+          </a:effectRef>
+          <a:fontRef idx="minor">
+            <a:schemeClr val="lt1"/>
+          </a:fontRef>
+        </p:style>
+        <p:txBody>
+          <a:bodyPr rtlCol="0" anchor="ctr"/>
+          <a:lstStyle/>
+          <a:p>
+            <a:pPr algn="ctr"/>
+            <a:endParaRPr lang="de-DE"/>
+          </a:p>
+        </p:txBody>
+      </p:sp>
+      <p:sp>
+        <p:nvSpPr>
+          <p:cNvPr id="79" name="Rechteck 78">
+            <a:extLst>
+              <a:ext uri="{FF2B5EF4-FFF2-40B4-BE49-F238E27FC236}">
+                <a16:creationId xmlns:a16="http://schemas.microsoft.com/office/drawing/2014/main" id="{394957BF-4FB3-B74C-44A3-ABD1EE13C356}"/>
+              </a:ext>
+            </a:extLst>
+          </p:cNvPr>
+          <p:cNvSpPr/>
+          <p:nvPr/>
+        </p:nvSpPr>
+        <p:spPr>
+          <a:xfrm>
+            <a:off x="106773" y="8582326"/>
+            <a:ext cx="1468857" cy="465667"/>
+          </a:xfrm>
+          <a:prstGeom prst="rect">
+            <a:avLst/>
+          </a:prstGeom>
+          <a:noFill/>
+          <a:ln>
+            <a:noFill/>
+          </a:ln>
+        </p:spPr>
+        <p:style>
+          <a:lnRef idx="2">
+            <a:schemeClr val="accent1">
+              <a:shade val="15000"/>
+            </a:schemeClr>
+          </a:lnRef>
+          <a:fillRef idx="1">
+            <a:schemeClr val="accent1"/>
+          </a:fillRef>
+          <a:effectRef idx="0">
+            <a:schemeClr val="accent1"/>
+          </a:effectRef>
+          <a:fontRef idx="minor">
+            <a:schemeClr val="lt1"/>
+          </a:fontRef>
+        </p:style>
+        <p:txBody>
+          <a:bodyPr rtlCol="0" anchor="ctr"/>
+          <a:lstStyle/>
+          <a:p>
+            <a:pPr algn="ctr"/>
+            <a:r>
+              <a:rPr lang="de-DE" sz="1400" dirty="0">
+                <a:solidFill>
+                  <a:schemeClr val="tx1"/>
+                </a:solidFill>
+              </a:rPr>
+              <a:t>Write_5</a:t>
+            </a:r>
+          </a:p>
+        </p:txBody>
+      </p:sp>
+      <p:sp>
+        <p:nvSpPr>
+          <p:cNvPr id="83" name="Textfeld 82">
+            <a:extLst>
+              <a:ext uri="{FF2B5EF4-FFF2-40B4-BE49-F238E27FC236}">
+                <a16:creationId xmlns:a16="http://schemas.microsoft.com/office/drawing/2014/main" id="{9422D1B2-9E28-F6D8-4FB8-E7A5D9555B3B}"/>
+              </a:ext>
+            </a:extLst>
+          </p:cNvPr>
+          <p:cNvSpPr txBox="1"/>
+          <p:nvPr/>
+        </p:nvSpPr>
+        <p:spPr>
+          <a:xfrm>
+            <a:off x="2507145" y="7647380"/>
+            <a:ext cx="1516269" cy="276999"/>
+          </a:xfrm>
+          <a:prstGeom prst="rect">
+            <a:avLst/>
+          </a:prstGeom>
+          <a:noFill/>
+        </p:spPr>
+        <p:txBody>
+          <a:bodyPr wrap="square" rtlCol="0">
+            <a:spAutoFit/>
+          </a:bodyPr>
+          <a:lstStyle/>
+          <a:p>
+            <a:r>
+              <a:rPr lang="de-DE" sz="1200" dirty="0" err="1"/>
+              <a:t>wren_Zahl</a:t>
+            </a:r>
+            <a:endParaRPr lang="de-DE" sz="1200" dirty="0"/>
+          </a:p>
+        </p:txBody>
+      </p:sp>
+      <p:sp>
+        <p:nvSpPr>
+          <p:cNvPr id="86" name="Textfeld 85">
+            <a:extLst>
+              <a:ext uri="{FF2B5EF4-FFF2-40B4-BE49-F238E27FC236}">
+                <a16:creationId xmlns:a16="http://schemas.microsoft.com/office/drawing/2014/main" id="{F3BCC373-D340-63AF-CD27-FE58B89798AB}"/>
+              </a:ext>
+            </a:extLst>
+          </p:cNvPr>
+          <p:cNvSpPr txBox="1"/>
+          <p:nvPr/>
+        </p:nvSpPr>
+        <p:spPr>
+          <a:xfrm>
+            <a:off x="1346843" y="8656873"/>
+            <a:ext cx="335377" cy="369332"/>
+          </a:xfrm>
+          <a:prstGeom prst="rect">
+            <a:avLst/>
+          </a:prstGeom>
+          <a:noFill/>
+        </p:spPr>
+        <p:txBody>
+          <a:bodyPr wrap="square" rtlCol="0">
+            <a:spAutoFit/>
+          </a:bodyPr>
+          <a:lstStyle/>
+          <a:p>
+            <a:r>
+              <a:rPr lang="de-DE" dirty="0"/>
+              <a:t>8</a:t>
+            </a:r>
+          </a:p>
+        </p:txBody>
+      </p:sp>
+      <p:sp>
+        <p:nvSpPr>
+          <p:cNvPr id="87" name="Ellipse 86">
+            <a:extLst>
+              <a:ext uri="{FF2B5EF4-FFF2-40B4-BE49-F238E27FC236}">
+                <a16:creationId xmlns:a16="http://schemas.microsoft.com/office/drawing/2014/main" id="{1FB0B673-961B-A24C-BECE-5EA6505CFCB2}"/>
+              </a:ext>
+            </a:extLst>
+          </p:cNvPr>
+          <p:cNvSpPr/>
+          <p:nvPr/>
+        </p:nvSpPr>
+        <p:spPr>
+          <a:xfrm>
+            <a:off x="8283122" y="4655157"/>
+            <a:ext cx="118531" cy="120961"/>
+          </a:xfrm>
+          <a:prstGeom prst="ellipse">
+            <a:avLst/>
+          </a:prstGeom>
+        </p:spPr>
+        <p:style>
+          <a:lnRef idx="2">
+            <a:schemeClr val="accent1">
+              <a:shade val="15000"/>
+            </a:schemeClr>
+          </a:lnRef>
+          <a:fillRef idx="1">
+            <a:schemeClr val="accent1"/>
+          </a:fillRef>
+          <a:effectRef idx="0">
+            <a:schemeClr val="accent1"/>
+          </a:effectRef>
+          <a:fontRef idx="minor">
+            <a:schemeClr val="lt1"/>
+          </a:fontRef>
+        </p:style>
+        <p:txBody>
+          <a:bodyPr rtlCol="0" anchor="ctr"/>
+          <a:lstStyle/>
+          <a:p>
+            <a:pPr algn="ctr"/>
+            <a:endParaRPr lang="de-DE"/>
+          </a:p>
+        </p:txBody>
+      </p:sp>
+      <p:cxnSp>
+        <p:nvCxnSpPr>
+          <p:cNvPr id="89" name="Gerade Verbindung mit Pfeil 88">
+            <a:extLst>
+              <a:ext uri="{FF2B5EF4-FFF2-40B4-BE49-F238E27FC236}">
+                <a16:creationId xmlns:a16="http://schemas.microsoft.com/office/drawing/2014/main" id="{E7B742CF-840F-A47E-FEAE-2BF2A586BECB}"/>
+              </a:ext>
+            </a:extLst>
+          </p:cNvPr>
+          <p:cNvCxnSpPr>
+            <a:cxnSpLocks/>
+          </p:cNvCxnSpPr>
+          <p:nvPr/>
+        </p:nvCxnSpPr>
+        <p:spPr>
+          <a:xfrm flipH="1">
+            <a:off x="5630333" y="4715933"/>
+            <a:ext cx="2712054" cy="0"/>
+          </a:xfrm>
+          <a:prstGeom prst="straightConnector1">
+            <a:avLst/>
+          </a:prstGeom>
+          <a:ln>
+            <a:tailEnd type="triangle"/>
+          </a:ln>
+        </p:spPr>
+        <p:style>
+          <a:lnRef idx="2">
+            <a:schemeClr val="accent1"/>
+          </a:lnRef>
+          <a:fillRef idx="0">
+            <a:schemeClr val="accent1"/>
+          </a:fillRef>
+          <a:effectRef idx="1">
+            <a:schemeClr val="accent1"/>
+          </a:effectRef>
+          <a:fontRef idx="minor">
+            <a:schemeClr val="tx1"/>
+          </a:fontRef>
+        </p:style>
+      </p:cxnSp>
     </p:spTree>
     <p:extLst>
       <p:ext uri="{BB962C8B-B14F-4D97-AF65-F5344CB8AC3E}">
